--- a/rl.pptx
+++ b/rl.pptx
@@ -5,13 +5,16 @@
     <p:sldMasterId id="2147483648" r:id="rId1"/>
   </p:sldMasterIdLst>
   <p:notesMasterIdLst>
-    <p:notesMasterId r:id="rId6"/>
+    <p:notesMasterId r:id="rId9"/>
   </p:notesMasterIdLst>
   <p:sldIdLst>
     <p:sldId id="256" r:id="rId2"/>
     <p:sldId id="257" r:id="rId3"/>
     <p:sldId id="258" r:id="rId4"/>
     <p:sldId id="259" r:id="rId5"/>
+    <p:sldId id="260" r:id="rId6"/>
+    <p:sldId id="261" r:id="rId7"/>
+    <p:sldId id="262" r:id="rId8"/>
   </p:sldIdLst>
   <p:sldSz cx="12192000" cy="6858000"/>
   <p:notesSz cx="6858000" cy="9144000"/>
@@ -110,6 +113,11 @@
       </a:defRPr>
     </a:lvl9pPr>
   </p:defaultTextStyle>
+  <p:extLst>
+    <p:ext uri="{EFAFB233-063F-42B5-8137-9DF3F51BA10A}">
+      <p15:sldGuideLst xmlns:p15="http://schemas.microsoft.com/office/powerpoint/2012/main"/>
+    </p:ext>
+  </p:extLst>
 </p:presentation>
 </file>
 
@@ -195,7 +203,7 @@
           <a:p>
             <a:fld id="{BED73CB7-26DF-BD44-B233-FC44E80DCE99}" type="datetimeFigureOut">
               <a:rPr lang="en-US" smtClean="0"/>
-              <a:t>6/13/18</a:t>
+              <a:t>6/14/2018</a:t>
             </a:fld>
             <a:endParaRPr lang="en-US"/>
           </a:p>
@@ -996,6 +1004,178 @@
 </p:notes>
 </file>
 
+<file path=ppt/notesSlides/notesSlide4.xml><?xml version="1.0" encoding="utf-8"?>
+<p:notes xmlns:a="http://schemas.openxmlformats.org/drawingml/2006/main" xmlns:r="http://schemas.openxmlformats.org/officeDocument/2006/relationships" xmlns:p="http://schemas.openxmlformats.org/presentationml/2006/main">
+  <p:cSld>
+    <p:spTree>
+      <p:nvGrpSpPr>
+        <p:cNvPr id="1" name=""/>
+        <p:cNvGrpSpPr/>
+        <p:nvPr/>
+      </p:nvGrpSpPr>
+      <p:grpSpPr>
+        <a:xfrm>
+          <a:off x="0" y="0"/>
+          <a:ext cx="0" cy="0"/>
+          <a:chOff x="0" y="0"/>
+          <a:chExt cx="0" cy="0"/>
+        </a:xfrm>
+      </p:grpSpPr>
+      <p:sp>
+        <p:nvSpPr>
+          <p:cNvPr id="2" name="Slide Image Placeholder 1"/>
+          <p:cNvSpPr>
+            <a:spLocks noGrp="1" noRot="1" noChangeAspect="1"/>
+          </p:cNvSpPr>
+          <p:nvPr>
+            <p:ph type="sldImg"/>
+          </p:nvPr>
+        </p:nvSpPr>
+        <p:spPr/>
+      </p:sp>
+      <p:sp>
+        <p:nvSpPr>
+          <p:cNvPr id="3" name="Notes Placeholder 2"/>
+          <p:cNvSpPr>
+            <a:spLocks noGrp="1"/>
+          </p:cNvSpPr>
+          <p:nvPr>
+            <p:ph type="body" idx="1"/>
+          </p:nvPr>
+        </p:nvSpPr>
+        <p:spPr/>
+        <p:txBody>
+          <a:bodyPr/>
+          <a:lstStyle/>
+          <a:p>
+            <a:endParaRPr lang="en-US" dirty="0"/>
+          </a:p>
+        </p:txBody>
+      </p:sp>
+      <p:sp>
+        <p:nvSpPr>
+          <p:cNvPr id="4" name="Slide Number Placeholder 3"/>
+          <p:cNvSpPr>
+            <a:spLocks noGrp="1"/>
+          </p:cNvSpPr>
+          <p:nvPr>
+            <p:ph type="sldNum" sz="quarter" idx="10"/>
+          </p:nvPr>
+        </p:nvSpPr>
+        <p:spPr/>
+        <p:txBody>
+          <a:bodyPr/>
+          <a:lstStyle/>
+          <a:p>
+            <a:fld id="{DAE1E16B-9BD0-2C42-9C14-37BA30C280E2}" type="slidenum">
+              <a:rPr lang="en-US" smtClean="0"/>
+              <a:t>4</a:t>
+            </a:fld>
+            <a:endParaRPr lang="en-US"/>
+          </a:p>
+        </p:txBody>
+      </p:sp>
+    </p:spTree>
+    <p:extLst>
+      <p:ext uri="{BB962C8B-B14F-4D97-AF65-F5344CB8AC3E}">
+        <p14:creationId xmlns:p14="http://schemas.microsoft.com/office/powerpoint/2010/main" val="2694429286"/>
+      </p:ext>
+    </p:extLst>
+  </p:cSld>
+  <p:clrMapOvr>
+    <a:masterClrMapping/>
+  </p:clrMapOvr>
+</p:notes>
+</file>
+
+<file path=ppt/notesSlides/notesSlide5.xml><?xml version="1.0" encoding="utf-8"?>
+<p:notes xmlns:a="http://schemas.openxmlformats.org/drawingml/2006/main" xmlns:r="http://schemas.openxmlformats.org/officeDocument/2006/relationships" xmlns:p="http://schemas.openxmlformats.org/presentationml/2006/main">
+  <p:cSld>
+    <p:spTree>
+      <p:nvGrpSpPr>
+        <p:cNvPr id="1" name=""/>
+        <p:cNvGrpSpPr/>
+        <p:nvPr/>
+      </p:nvGrpSpPr>
+      <p:grpSpPr>
+        <a:xfrm>
+          <a:off x="0" y="0"/>
+          <a:ext cx="0" cy="0"/>
+          <a:chOff x="0" y="0"/>
+          <a:chExt cx="0" cy="0"/>
+        </a:xfrm>
+      </p:grpSpPr>
+      <p:sp>
+        <p:nvSpPr>
+          <p:cNvPr id="2" name="Slide Image Placeholder 1"/>
+          <p:cNvSpPr>
+            <a:spLocks noGrp="1" noRot="1" noChangeAspect="1"/>
+          </p:cNvSpPr>
+          <p:nvPr>
+            <p:ph type="sldImg"/>
+          </p:nvPr>
+        </p:nvSpPr>
+        <p:spPr/>
+      </p:sp>
+      <p:sp>
+        <p:nvSpPr>
+          <p:cNvPr id="3" name="Notes Placeholder 2"/>
+          <p:cNvSpPr>
+            <a:spLocks noGrp="1"/>
+          </p:cNvSpPr>
+          <p:nvPr>
+            <p:ph type="body" idx="1"/>
+          </p:nvPr>
+        </p:nvSpPr>
+        <p:spPr/>
+        <p:txBody>
+          <a:bodyPr/>
+          <a:lstStyle/>
+          <a:p>
+            <a:r>
+              <a:rPr lang="en-US" baseline="0" dirty="0" smtClean="0"/>
+              <a:t>What are the fundamental pieces you use to make everyday decisions?</a:t>
+            </a:r>
+            <a:endParaRPr lang="en-US" dirty="0"/>
+          </a:p>
+        </p:txBody>
+      </p:sp>
+      <p:sp>
+        <p:nvSpPr>
+          <p:cNvPr id="4" name="Slide Number Placeholder 3"/>
+          <p:cNvSpPr>
+            <a:spLocks noGrp="1"/>
+          </p:cNvSpPr>
+          <p:nvPr>
+            <p:ph type="sldNum" sz="quarter" idx="10"/>
+          </p:nvPr>
+        </p:nvSpPr>
+        <p:spPr/>
+        <p:txBody>
+          <a:bodyPr/>
+          <a:lstStyle/>
+          <a:p>
+            <a:fld id="{DAE1E16B-9BD0-2C42-9C14-37BA30C280E2}" type="slidenum">
+              <a:rPr lang="en-US" smtClean="0"/>
+              <a:t>5</a:t>
+            </a:fld>
+            <a:endParaRPr lang="en-US"/>
+          </a:p>
+        </p:txBody>
+      </p:sp>
+    </p:spTree>
+    <p:extLst>
+      <p:ext uri="{BB962C8B-B14F-4D97-AF65-F5344CB8AC3E}">
+        <p14:creationId xmlns:p14="http://schemas.microsoft.com/office/powerpoint/2010/main" val="794470132"/>
+      </p:ext>
+    </p:extLst>
+  </p:cSld>
+  <p:clrMapOvr>
+    <a:masterClrMapping/>
+  </p:clrMapOvr>
+</p:notes>
+</file>
+
 <file path=ppt/slideLayouts/slideLayout1.xml><?xml version="1.0" encoding="utf-8"?>
 <p:sldLayout xmlns:a="http://schemas.openxmlformats.org/drawingml/2006/main" xmlns:r="http://schemas.openxmlformats.org/officeDocument/2006/relationships" xmlns:p="http://schemas.openxmlformats.org/presentationml/2006/main" type="title" preserve="1">
   <p:cSld name="Title Slide">
@@ -1143,7 +1323,7 @@
           <a:p>
             <a:fld id="{70986558-7C33-D646-B0F0-13E743DA25D6}" type="datetimeFigureOut">
               <a:rPr lang="en-US" smtClean="0"/>
-              <a:t>6/13/18</a:t>
+              <a:t>6/14/2018</a:t>
             </a:fld>
             <a:endParaRPr lang="en-US"/>
           </a:p>
@@ -1341,7 +1521,7 @@
           <a:p>
             <a:fld id="{70986558-7C33-D646-B0F0-13E743DA25D6}" type="datetimeFigureOut">
               <a:rPr lang="en-US" smtClean="0"/>
-              <a:t>6/13/18</a:t>
+              <a:t>6/14/2018</a:t>
             </a:fld>
             <a:endParaRPr lang="en-US"/>
           </a:p>
@@ -1549,7 +1729,7 @@
           <a:p>
             <a:fld id="{70986558-7C33-D646-B0F0-13E743DA25D6}" type="datetimeFigureOut">
               <a:rPr lang="en-US" smtClean="0"/>
-              <a:t>6/13/18</a:t>
+              <a:t>6/14/2018</a:t>
             </a:fld>
             <a:endParaRPr lang="en-US"/>
           </a:p>
@@ -1747,7 +1927,7 @@
           <a:p>
             <a:fld id="{70986558-7C33-D646-B0F0-13E743DA25D6}" type="datetimeFigureOut">
               <a:rPr lang="en-US" smtClean="0"/>
-              <a:t>6/13/18</a:t>
+              <a:t>6/14/2018</a:t>
             </a:fld>
             <a:endParaRPr lang="en-US"/>
           </a:p>
@@ -2022,7 +2202,7 @@
           <a:p>
             <a:fld id="{70986558-7C33-D646-B0F0-13E743DA25D6}" type="datetimeFigureOut">
               <a:rPr lang="en-US" smtClean="0"/>
-              <a:t>6/13/18</a:t>
+              <a:t>6/14/2018</a:t>
             </a:fld>
             <a:endParaRPr lang="en-US"/>
           </a:p>
@@ -2287,7 +2467,7 @@
           <a:p>
             <a:fld id="{70986558-7C33-D646-B0F0-13E743DA25D6}" type="datetimeFigureOut">
               <a:rPr lang="en-US" smtClean="0"/>
-              <a:t>6/13/18</a:t>
+              <a:t>6/14/2018</a:t>
             </a:fld>
             <a:endParaRPr lang="en-US"/>
           </a:p>
@@ -2699,7 +2879,7 @@
           <a:p>
             <a:fld id="{70986558-7C33-D646-B0F0-13E743DA25D6}" type="datetimeFigureOut">
               <a:rPr lang="en-US" smtClean="0"/>
-              <a:t>6/13/18</a:t>
+              <a:t>6/14/2018</a:t>
             </a:fld>
             <a:endParaRPr lang="en-US"/>
           </a:p>
@@ -2840,7 +3020,7 @@
           <a:p>
             <a:fld id="{70986558-7C33-D646-B0F0-13E743DA25D6}" type="datetimeFigureOut">
               <a:rPr lang="en-US" smtClean="0"/>
-              <a:t>6/13/18</a:t>
+              <a:t>6/14/2018</a:t>
             </a:fld>
             <a:endParaRPr lang="en-US"/>
           </a:p>
@@ -2953,7 +3133,7 @@
           <a:p>
             <a:fld id="{70986558-7C33-D646-B0F0-13E743DA25D6}" type="datetimeFigureOut">
               <a:rPr lang="en-US" smtClean="0"/>
-              <a:t>6/13/18</a:t>
+              <a:t>6/14/2018</a:t>
             </a:fld>
             <a:endParaRPr lang="en-US"/>
           </a:p>
@@ -3264,7 +3444,7 @@
           <a:p>
             <a:fld id="{70986558-7C33-D646-B0F0-13E743DA25D6}" type="datetimeFigureOut">
               <a:rPr lang="en-US" smtClean="0"/>
-              <a:t>6/13/18</a:t>
+              <a:t>6/14/2018</a:t>
             </a:fld>
             <a:endParaRPr lang="en-US"/>
           </a:p>
@@ -3552,7 +3732,7 @@
           <a:p>
             <a:fld id="{70986558-7C33-D646-B0F0-13E743DA25D6}" type="datetimeFigureOut">
               <a:rPr lang="en-US" smtClean="0"/>
-              <a:t>6/13/18</a:t>
+              <a:t>6/14/2018</a:t>
             </a:fld>
             <a:endParaRPr lang="en-US"/>
           </a:p>
@@ -3799,7 +3979,7 @@
           <a:p>
             <a:fld id="{70986558-7C33-D646-B0F0-13E743DA25D6}" type="datetimeFigureOut">
               <a:rPr lang="en-US" smtClean="0"/>
-              <a:t>6/13/18</a:t>
+              <a:t>6/14/2018</a:t>
             </a:fld>
             <a:endParaRPr lang="en-US"/>
           </a:p>
@@ -4268,6 +4448,13 @@
   <p:clrMapOvr>
     <a:masterClrMapping/>
   </p:clrMapOvr>
+  <p:timing>
+    <p:tnLst>
+      <p:par>
+        <p:cTn id="1" dur="indefinite" restart="never" nodeType="tmRoot"/>
+      </p:par>
+    </p:tnLst>
+  </p:timing>
 </p:sld>
 </file>
 
@@ -4329,6 +4516,13 @@
   <p:clrMapOvr>
     <a:masterClrMapping/>
   </p:clrMapOvr>
+  <p:timing>
+    <p:tnLst>
+      <p:par>
+        <p:cTn id="1" dur="indefinite" restart="never" nodeType="tmRoot"/>
+      </p:par>
+    </p:tnLst>
+  </p:timing>
 </p:sld>
 </file>
 
@@ -4443,6 +4637,13 @@
   <p:clrMapOvr>
     <a:masterClrMapping/>
   </p:clrMapOvr>
+  <p:timing>
+    <p:tnLst>
+      <p:par>
+        <p:cTn id="1" dur="indefinite" restart="never" nodeType="tmRoot"/>
+      </p:par>
+    </p:tnLst>
+  </p:timing>
 </p:sld>
 </file>
 
@@ -4463,10 +4664,449 @@
           <a:chExt cx="0" cy="0"/>
         </a:xfrm>
       </p:grpSpPr>
+      <p:sp>
+        <p:nvSpPr>
+          <p:cNvPr id="2" name="TextBox 1"/>
+          <p:cNvSpPr txBox="1"/>
+          <p:nvPr/>
+        </p:nvSpPr>
+        <p:spPr>
+          <a:xfrm>
+            <a:off x="1714500" y="2476837"/>
+            <a:ext cx="8674100" cy="2246769"/>
+          </a:xfrm>
+          <a:prstGeom prst="rect">
+            <a:avLst/>
+          </a:prstGeom>
+          <a:noFill/>
+        </p:spPr>
+        <p:txBody>
+          <a:bodyPr wrap="square" rtlCol="0">
+            <a:spAutoFit/>
+          </a:bodyPr>
+          <a:lstStyle/>
+          <a:p>
+            <a:pPr algn="ctr"/>
+            <a:r>
+              <a:rPr lang="en-US" sz="2800" dirty="0" smtClean="0">
+                <a:solidFill>
+                  <a:schemeClr val="bg1"/>
+                </a:solidFill>
+                <a:latin typeface="Microsoft JhengHei" panose="020B0604030504040204" pitchFamily="34" charset="-120"/>
+                <a:ea typeface="Microsoft JhengHei" panose="020B0604030504040204" pitchFamily="34" charset="-120"/>
+              </a:rPr>
+              <a:t>“Wherefore</a:t>
+            </a:r>
+            <a:r>
+              <a:rPr lang="en-US" sz="2800" dirty="0">
+                <a:solidFill>
+                  <a:schemeClr val="bg1"/>
+                </a:solidFill>
+                <a:latin typeface="Microsoft JhengHei" panose="020B0604030504040204" pitchFamily="34" charset="-120"/>
+                <a:ea typeface="Microsoft JhengHei" panose="020B0604030504040204" pitchFamily="34" charset="-120"/>
+              </a:rPr>
+              <a:t>, the Lord God gave unto man that he should act for himself. Wherefore, man could not act for himself save it should be that he was enticed by the one or the other</a:t>
+            </a:r>
+            <a:r>
+              <a:rPr lang="en-US" sz="1400" dirty="0" smtClean="0">
+                <a:solidFill>
+                  <a:schemeClr val="bg1"/>
+                </a:solidFill>
+                <a:latin typeface="Microsoft JhengHei" panose="020B0604030504040204" pitchFamily="34" charset="-120"/>
+                <a:ea typeface="Microsoft JhengHei" panose="020B0604030504040204" pitchFamily="34" charset="-120"/>
+              </a:rPr>
+              <a:t>.”</a:t>
+            </a:r>
+          </a:p>
+          <a:p>
+            <a:pPr algn="ctr"/>
+            <a:endParaRPr lang="en-US" sz="1400" dirty="0" smtClean="0">
+              <a:solidFill>
+                <a:schemeClr val="bg1"/>
+              </a:solidFill>
+              <a:latin typeface="Microsoft JhengHei" panose="020B0604030504040204" pitchFamily="34" charset="-120"/>
+              <a:ea typeface="Microsoft JhengHei" panose="020B0604030504040204" pitchFamily="34" charset="-120"/>
+            </a:endParaRPr>
+          </a:p>
+          <a:p>
+            <a:pPr algn="ctr"/>
+            <a:r>
+              <a:rPr lang="en-US" sz="1400" dirty="0" smtClean="0">
+                <a:solidFill>
+                  <a:schemeClr val="bg1"/>
+                </a:solidFill>
+                <a:latin typeface="Microsoft JhengHei" panose="020B0604030504040204" pitchFamily="34" charset="-120"/>
+                <a:ea typeface="Microsoft JhengHei" panose="020B0604030504040204" pitchFamily="34" charset="-120"/>
+              </a:rPr>
+              <a:t>2 Nephi 2: 16</a:t>
+            </a:r>
+            <a:endParaRPr lang="en-US" sz="4400" dirty="0" smtClean="0">
+              <a:solidFill>
+                <a:schemeClr val="bg1"/>
+              </a:solidFill>
+              <a:latin typeface="Microsoft JhengHei" panose="020B0604030504040204" pitchFamily="34" charset="-120"/>
+              <a:ea typeface="Microsoft JhengHei" panose="020B0604030504040204" pitchFamily="34" charset="-120"/>
+            </a:endParaRPr>
+          </a:p>
+        </p:txBody>
+      </p:sp>
     </p:spTree>
     <p:extLst>
       <p:ext uri="{BB962C8B-B14F-4D97-AF65-F5344CB8AC3E}">
         <p14:creationId xmlns:p14="http://schemas.microsoft.com/office/powerpoint/2010/main" val="2882978758"/>
+      </p:ext>
+    </p:extLst>
+  </p:cSld>
+  <p:clrMapOvr>
+    <a:masterClrMapping/>
+  </p:clrMapOvr>
+  <p:timing>
+    <p:tnLst>
+      <p:par>
+        <p:cTn id="1" dur="indefinite" restart="never" nodeType="tmRoot"/>
+      </p:par>
+    </p:tnLst>
+  </p:timing>
+</p:sld>
+</file>
+
+<file path=ppt/slides/slide5.xml><?xml version="1.0" encoding="utf-8"?>
+<p:sld xmlns:a="http://schemas.openxmlformats.org/drawingml/2006/main" xmlns:r="http://schemas.openxmlformats.org/officeDocument/2006/relationships" xmlns:p="http://schemas.openxmlformats.org/presentationml/2006/main">
+  <p:cSld>
+    <p:spTree>
+      <p:nvGrpSpPr>
+        <p:cNvPr id="1" name=""/>
+        <p:cNvGrpSpPr/>
+        <p:nvPr/>
+      </p:nvGrpSpPr>
+      <p:grpSpPr>
+        <a:xfrm>
+          <a:off x="0" y="0"/>
+          <a:ext cx="0" cy="0"/>
+          <a:chOff x="0" y="0"/>
+          <a:chExt cx="0" cy="0"/>
+        </a:xfrm>
+      </p:grpSpPr>
+      <p:sp>
+        <p:nvSpPr>
+          <p:cNvPr id="3" name="TextBox 2">
+            <a:extLst>
+              <a:ext uri="{FF2B5EF4-FFF2-40B4-BE49-F238E27FC236}">
+                <a16:creationId xmlns:a16="http://schemas.microsoft.com/office/drawing/2014/main" id="{6C81953A-BC3B-D741-A69D-AB57CCFDD1D6}"/>
+              </a:ext>
+            </a:extLst>
+          </p:cNvPr>
+          <p:cNvSpPr txBox="1"/>
+          <p:nvPr/>
+        </p:nvSpPr>
+        <p:spPr>
+          <a:xfrm>
+            <a:off x="843376" y="2831977"/>
+            <a:ext cx="10422385" cy="707886"/>
+          </a:xfrm>
+          <a:prstGeom prst="rect">
+            <a:avLst/>
+          </a:prstGeom>
+          <a:noFill/>
+        </p:spPr>
+        <p:txBody>
+          <a:bodyPr wrap="square" rtlCol="0">
+            <a:spAutoFit/>
+          </a:bodyPr>
+          <a:lstStyle/>
+          <a:p>
+            <a:pPr algn="ctr"/>
+            <a:r>
+              <a:rPr lang="en-US" sz="4000" dirty="0" smtClean="0">
+                <a:solidFill>
+                  <a:schemeClr val="bg1"/>
+                </a:solidFill>
+                <a:latin typeface="Microsoft JhengHei" panose="020B0604030504040204" pitchFamily="34" charset="-120"/>
+                <a:ea typeface="Microsoft JhengHei" panose="020B0604030504040204" pitchFamily="34" charset="-120"/>
+              </a:rPr>
+              <a:t>What do you need to make decisions?</a:t>
+            </a:r>
+            <a:endParaRPr lang="en-US" sz="4000" dirty="0">
+              <a:solidFill>
+                <a:schemeClr val="bg1"/>
+              </a:solidFill>
+              <a:latin typeface="Microsoft JhengHei" panose="020B0604030504040204" pitchFamily="34" charset="-120"/>
+              <a:ea typeface="Microsoft JhengHei" panose="020B0604030504040204" pitchFamily="34" charset="-120"/>
+            </a:endParaRPr>
+          </a:p>
+        </p:txBody>
+      </p:sp>
+    </p:spTree>
+    <p:extLst>
+      <p:ext uri="{BB962C8B-B14F-4D97-AF65-F5344CB8AC3E}">
+        <p14:creationId xmlns:p14="http://schemas.microsoft.com/office/powerpoint/2010/main" val="1797848189"/>
+      </p:ext>
+    </p:extLst>
+  </p:cSld>
+  <p:clrMapOvr>
+    <a:masterClrMapping/>
+  </p:clrMapOvr>
+  <p:timing>
+    <p:tnLst>
+      <p:par>
+        <p:cTn id="1" dur="indefinite" restart="never" nodeType="tmRoot"/>
+      </p:par>
+    </p:tnLst>
+  </p:timing>
+</p:sld>
+</file>
+
+<file path=ppt/slides/slide6.xml><?xml version="1.0" encoding="utf-8"?>
+<p:sld xmlns:a="http://schemas.openxmlformats.org/drawingml/2006/main" xmlns:r="http://schemas.openxmlformats.org/officeDocument/2006/relationships" xmlns:p="http://schemas.openxmlformats.org/presentationml/2006/main">
+  <p:cSld>
+    <p:spTree>
+      <p:nvGrpSpPr>
+        <p:cNvPr id="1" name=""/>
+        <p:cNvGrpSpPr/>
+        <p:nvPr/>
+      </p:nvGrpSpPr>
+      <p:grpSpPr>
+        <a:xfrm>
+          <a:off x="0" y="0"/>
+          <a:ext cx="0" cy="0"/>
+          <a:chOff x="0" y="0"/>
+          <a:chExt cx="0" cy="0"/>
+        </a:xfrm>
+      </p:grpSpPr>
+      <p:sp>
+        <p:nvSpPr>
+          <p:cNvPr id="3" name="TextBox 2"/>
+          <p:cNvSpPr txBox="1"/>
+          <p:nvPr/>
+        </p:nvSpPr>
+        <p:spPr>
+          <a:xfrm>
+            <a:off x="977900" y="622300"/>
+            <a:ext cx="10680700" cy="707886"/>
+          </a:xfrm>
+          <a:prstGeom prst="rect">
+            <a:avLst/>
+          </a:prstGeom>
+          <a:noFill/>
+        </p:spPr>
+        <p:txBody>
+          <a:bodyPr wrap="square" rtlCol="0">
+            <a:spAutoFit/>
+          </a:bodyPr>
+          <a:lstStyle/>
+          <a:p>
+            <a:pPr algn="ctr"/>
+            <a:r>
+              <a:rPr lang="en-US" sz="4000" dirty="0" smtClean="0">
+                <a:solidFill>
+                  <a:schemeClr val="bg1"/>
+                </a:solidFill>
+                <a:latin typeface="Microsoft JhengHei" panose="020B0604030504040204" pitchFamily="34" charset="-120"/>
+                <a:ea typeface="Microsoft JhengHei" panose="020B0604030504040204" pitchFamily="34" charset="-120"/>
+              </a:rPr>
+              <a:t>Characteristics of Reinforcement Learning</a:t>
+            </a:r>
+            <a:endParaRPr lang="en-US" sz="4000" dirty="0" smtClean="0">
+              <a:solidFill>
+                <a:schemeClr val="bg1"/>
+              </a:solidFill>
+              <a:latin typeface="Microsoft JhengHei" panose="020B0604030504040204" pitchFamily="34" charset="-120"/>
+              <a:ea typeface="Microsoft JhengHei" panose="020B0604030504040204" pitchFamily="34" charset="-120"/>
+            </a:endParaRPr>
+          </a:p>
+        </p:txBody>
+      </p:sp>
+      <p:sp>
+        <p:nvSpPr>
+          <p:cNvPr id="4" name="TextBox 3"/>
+          <p:cNvSpPr txBox="1"/>
+          <p:nvPr/>
+        </p:nvSpPr>
+        <p:spPr>
+          <a:xfrm>
+            <a:off x="1549400" y="1905000"/>
+            <a:ext cx="9817100" cy="1569660"/>
+          </a:xfrm>
+          <a:prstGeom prst="rect">
+            <a:avLst/>
+          </a:prstGeom>
+          <a:noFill/>
+        </p:spPr>
+        <p:txBody>
+          <a:bodyPr wrap="square" rtlCol="0">
+            <a:spAutoFit/>
+          </a:bodyPr>
+          <a:lstStyle/>
+          <a:p>
+            <a:pPr marL="914400" indent="-914400">
+              <a:buFont typeface="Arial" panose="020B0604020202020204" pitchFamily="34" charset="0"/>
+              <a:buChar char="•"/>
+            </a:pPr>
+            <a:r>
+              <a:rPr lang="en-US" sz="2400" dirty="0" smtClean="0">
+                <a:solidFill>
+                  <a:schemeClr val="bg1"/>
+                </a:solidFill>
+                <a:latin typeface="Microsoft JhengHei UI" panose="020B0604030504040204" pitchFamily="34" charset="-120"/>
+                <a:ea typeface="Microsoft JhengHei UI" panose="020B0604030504040204" pitchFamily="34" charset="-120"/>
+              </a:rPr>
+              <a:t>There is no supervisor, only a </a:t>
+            </a:r>
+            <a:r>
+              <a:rPr lang="en-US" sz="2400" dirty="0" smtClean="0">
+                <a:solidFill>
+                  <a:srgbClr val="00B050"/>
+                </a:solidFill>
+                <a:latin typeface="Microsoft JhengHei UI" panose="020B0604030504040204" pitchFamily="34" charset="-120"/>
+                <a:ea typeface="Microsoft JhengHei UI" panose="020B0604030504040204" pitchFamily="34" charset="-120"/>
+              </a:rPr>
+              <a:t>reward</a:t>
+            </a:r>
+            <a:r>
+              <a:rPr lang="en-US" sz="2400" dirty="0" smtClean="0">
+                <a:solidFill>
+                  <a:schemeClr val="bg1"/>
+                </a:solidFill>
+                <a:latin typeface="Microsoft JhengHei UI" panose="020B0604030504040204" pitchFamily="34" charset="-120"/>
+                <a:ea typeface="Microsoft JhengHei UI" panose="020B0604030504040204" pitchFamily="34" charset="-120"/>
+              </a:rPr>
+              <a:t> signal</a:t>
+            </a:r>
+          </a:p>
+          <a:p>
+            <a:pPr marL="914400" indent="-914400">
+              <a:buFont typeface="Arial" panose="020B0604020202020204" pitchFamily="34" charset="0"/>
+              <a:buChar char="•"/>
+            </a:pPr>
+            <a:r>
+              <a:rPr lang="en-US" sz="2400" dirty="0" smtClean="0">
+                <a:solidFill>
+                  <a:schemeClr val="bg1"/>
+                </a:solidFill>
+                <a:latin typeface="Microsoft JhengHei UI" panose="020B0604030504040204" pitchFamily="34" charset="-120"/>
+                <a:ea typeface="Microsoft JhengHei UI" panose="020B0604030504040204" pitchFamily="34" charset="-120"/>
+              </a:rPr>
+              <a:t>Feedback is delayed, not instantaneous</a:t>
+            </a:r>
+          </a:p>
+          <a:p>
+            <a:pPr marL="914400" indent="-914400">
+              <a:buFont typeface="Arial" panose="020B0604020202020204" pitchFamily="34" charset="0"/>
+              <a:buChar char="•"/>
+            </a:pPr>
+            <a:r>
+              <a:rPr lang="en-US" sz="2400" dirty="0" smtClean="0">
+                <a:solidFill>
+                  <a:schemeClr val="bg1"/>
+                </a:solidFill>
+                <a:latin typeface="Microsoft JhengHei UI" panose="020B0604030504040204" pitchFamily="34" charset="-120"/>
+                <a:ea typeface="Microsoft JhengHei UI" panose="020B0604030504040204" pitchFamily="34" charset="-120"/>
+              </a:rPr>
+              <a:t>Time really matters (sequential, not independent data)</a:t>
+            </a:r>
+          </a:p>
+          <a:p>
+            <a:pPr marL="914400" indent="-914400">
+              <a:buFont typeface="Arial" panose="020B0604020202020204" pitchFamily="34" charset="0"/>
+              <a:buChar char="•"/>
+            </a:pPr>
+            <a:r>
+              <a:rPr lang="en-US" sz="2400" dirty="0" smtClean="0">
+                <a:solidFill>
+                  <a:schemeClr val="bg1"/>
+                </a:solidFill>
+                <a:latin typeface="Microsoft JhengHei UI" panose="020B0604030504040204" pitchFamily="34" charset="-120"/>
+                <a:ea typeface="Microsoft JhengHei UI" panose="020B0604030504040204" pitchFamily="34" charset="-120"/>
+              </a:rPr>
+              <a:t>Agent’s actions determine the subsequent data it receives </a:t>
+            </a:r>
+            <a:endParaRPr lang="en-US" sz="2400" dirty="0" smtClean="0">
+              <a:solidFill>
+                <a:schemeClr val="bg1"/>
+              </a:solidFill>
+              <a:latin typeface="Microsoft JhengHei UI" panose="020B0604030504040204" pitchFamily="34" charset="-120"/>
+              <a:ea typeface="Microsoft JhengHei UI" panose="020B0604030504040204" pitchFamily="34" charset="-120"/>
+            </a:endParaRPr>
+          </a:p>
+        </p:txBody>
+      </p:sp>
+    </p:spTree>
+    <p:extLst>
+      <p:ext uri="{BB962C8B-B14F-4D97-AF65-F5344CB8AC3E}">
+        <p14:creationId xmlns:p14="http://schemas.microsoft.com/office/powerpoint/2010/main" val="1542855858"/>
+      </p:ext>
+    </p:extLst>
+  </p:cSld>
+  <p:clrMapOvr>
+    <a:masterClrMapping/>
+  </p:clrMapOvr>
+</p:sld>
+</file>
+
+<file path=ppt/slides/slide7.xml><?xml version="1.0" encoding="utf-8"?>
+<p:sld xmlns:a="http://schemas.openxmlformats.org/drawingml/2006/main" xmlns:r="http://schemas.openxmlformats.org/officeDocument/2006/relationships" xmlns:p="http://schemas.openxmlformats.org/presentationml/2006/main">
+  <p:cSld>
+    <p:spTree>
+      <p:nvGrpSpPr>
+        <p:cNvPr id="1" name=""/>
+        <p:cNvGrpSpPr/>
+        <p:nvPr/>
+      </p:nvGrpSpPr>
+      <p:grpSpPr>
+        <a:xfrm>
+          <a:off x="0" y="0"/>
+          <a:ext cx="0" cy="0"/>
+          <a:chOff x="0" y="0"/>
+          <a:chExt cx="0" cy="0"/>
+        </a:xfrm>
+      </p:grpSpPr>
+      <p:sp>
+        <p:nvSpPr>
+          <p:cNvPr id="2" name="TextBox 1"/>
+          <p:cNvSpPr txBox="1"/>
+          <p:nvPr/>
+        </p:nvSpPr>
+        <p:spPr>
+          <a:xfrm>
+            <a:off x="977900" y="622300"/>
+            <a:ext cx="10680700" cy="707886"/>
+          </a:xfrm>
+          <a:prstGeom prst="rect">
+            <a:avLst/>
+          </a:prstGeom>
+          <a:noFill/>
+        </p:spPr>
+        <p:txBody>
+          <a:bodyPr wrap="square" rtlCol="0">
+            <a:spAutoFit/>
+          </a:bodyPr>
+          <a:lstStyle/>
+          <a:p>
+            <a:pPr algn="ctr"/>
+            <a:r>
+              <a:rPr lang="en-US" sz="4000" dirty="0" smtClean="0">
+                <a:solidFill>
+                  <a:schemeClr val="bg1"/>
+                </a:solidFill>
+                <a:latin typeface="Microsoft JhengHei" panose="020B0604030504040204" pitchFamily="34" charset="-120"/>
+                <a:ea typeface="Microsoft JhengHei" panose="020B0604030504040204" pitchFamily="34" charset="-120"/>
+              </a:rPr>
+              <a:t>Examples of Reinforcement Learning</a:t>
+            </a:r>
+            <a:endParaRPr lang="en-US" sz="4000" dirty="0" smtClean="0">
+              <a:solidFill>
+                <a:schemeClr val="bg1"/>
+              </a:solidFill>
+              <a:latin typeface="Microsoft JhengHei" panose="020B0604030504040204" pitchFamily="34" charset="-120"/>
+              <a:ea typeface="Microsoft JhengHei" panose="020B0604030504040204" pitchFamily="34" charset="-120"/>
+            </a:endParaRPr>
+          </a:p>
+        </p:txBody>
+      </p:sp>
+    </p:spTree>
+    <p:extLst>
+      <p:ext uri="{BB962C8B-B14F-4D97-AF65-F5344CB8AC3E}">
+        <p14:creationId xmlns:p14="http://schemas.microsoft.com/office/powerpoint/2010/main" val="1479293403"/>
       </p:ext>
     </p:extLst>
   </p:cSld>
